--- a/R Tutorial.pptx
+++ b/R Tutorial.pptx
@@ -3010,10 +3010,7 @@
               <a:rPr lang="en-AU" dirty="0"/>
               <a:t>James’ (Very Brief) Guide to </a:t>
             </a:r>
-            <a:r>
-              <a:rPr lang="en-AU" i="1" dirty="0"/>
-              <a:t>R</a:t>
-            </a:r>
+            <a:endParaRPr lang="en-AU" i="1" dirty="0"/>
           </a:p>
         </p:txBody>
       </p:sp>
@@ -3126,8 +3123,8 @@
         </p:blipFill>
         <p:spPr bwMode="auto">
           <a:xfrm>
-            <a:off x="3260187" y="193043"/>
-            <a:ext cx="2623625" cy="1674490"/>
+            <a:off x="5991079" y="2609869"/>
+            <a:ext cx="1410286" cy="900094"/>
           </a:xfrm>
           <a:prstGeom prst="rect">
             <a:avLst/>
@@ -3197,7 +3194,7 @@
           <a:p>
             <a:r>
               <a:rPr lang="en-AU" dirty="0"/>
-              <a:t>What is R?</a:t>
+              <a:t>What is </a:t>
             </a:r>
           </a:p>
         </p:txBody>
@@ -3243,13 +3240,14 @@
           <a:p>
             <a:r>
               <a:rPr lang="en-AU" dirty="0"/>
-              <a:t>Used for statistical computing </a:t>
-            </a:r>
-            <a:r>
-              <a:rPr lang="en-AU"/>
-              <a:t>and graphics</a:t>
-            </a:r>
-            <a:endParaRPr lang="en-AU" dirty="0"/>
+              <a:t>Used for statistical computing and graphics</a:t>
+            </a:r>
+          </a:p>
+          <a:p>
+            <a:r>
+              <a:rPr lang="en-AU" dirty="0"/>
+              <a:t>Large library of useful packages created by other scientists</a:t>
+            </a:r>
           </a:p>
         </p:txBody>
       </p:sp>
@@ -3282,8 +3280,8 @@
         </p:blipFill>
         <p:spPr bwMode="auto">
           <a:xfrm>
-            <a:off x="6119446" y="0"/>
-            <a:ext cx="2883877" cy="1840592"/>
+            <a:off x="2532186" y="461769"/>
+            <a:ext cx="1266092" cy="808065"/>
           </a:xfrm>
           <a:prstGeom prst="rect">
             <a:avLst/>
@@ -3430,7 +3428,7 @@
         </p:blipFill>
         <p:spPr bwMode="auto">
           <a:xfrm>
-            <a:off x="745587" y="2275263"/>
+            <a:off x="8603" y="2275262"/>
             <a:ext cx="3615397" cy="2307474"/>
           </a:xfrm>
           <a:prstGeom prst="rect">
@@ -3477,8 +3475,8 @@
         </p:blipFill>
         <p:spPr bwMode="auto">
           <a:xfrm>
-            <a:off x="4453377" y="1093140"/>
-            <a:ext cx="4671720" cy="4671720"/>
+            <a:off x="3624000" y="681037"/>
+            <a:ext cx="5692580" cy="5692580"/>
           </a:xfrm>
           <a:prstGeom prst="rect">
             <a:avLst/>
@@ -3509,7 +3507,7 @@
         </p:nvSpPr>
         <p:spPr>
           <a:xfrm>
-            <a:off x="4074170" y="2921168"/>
+            <a:off x="3269576" y="2921167"/>
             <a:ext cx="708848" cy="1015663"/>
           </a:xfrm>
           <a:prstGeom prst="rect">

--- a/R Tutorial.pptx
+++ b/R Tutorial.pptx
@@ -3008,7 +3008,14 @@
           <a:p>
             <a:r>
               <a:rPr lang="en-AU" dirty="0"/>
-              <a:t>James’ (Very Brief) Guide to </a:t>
+              <a:t>James’ (whirlwind) </a:t>
+            </a:r>
+            <a:br>
+              <a:rPr lang="en-AU" dirty="0"/>
+            </a:br>
+            <a:r>
+              <a:rPr lang="en-AU" dirty="0"/>
+              <a:t>tour of</a:t>
             </a:r>
             <a:endParaRPr lang="en-AU" i="1" dirty="0"/>
           </a:p>
